--- a/Home Insurance dataset case study.pptx
+++ b/Home Insurance dataset case study.pptx
@@ -14,14 +14,15 @@
     <p:sldId id="271" r:id="rId8"/>
     <p:sldId id="269" r:id="rId9"/>
     <p:sldId id="268" r:id="rId10"/>
-    <p:sldId id="267" r:id="rId11"/>
-    <p:sldId id="261" r:id="rId12"/>
-    <p:sldId id="259" r:id="rId13"/>
-    <p:sldId id="262" r:id="rId14"/>
-    <p:sldId id="263" r:id="rId15"/>
-    <p:sldId id="265" r:id="rId16"/>
-    <p:sldId id="260" r:id="rId17"/>
-    <p:sldId id="264" r:id="rId18"/>
+    <p:sldId id="274" r:id="rId11"/>
+    <p:sldId id="267" r:id="rId12"/>
+    <p:sldId id="261" r:id="rId13"/>
+    <p:sldId id="259" r:id="rId14"/>
+    <p:sldId id="262" r:id="rId15"/>
+    <p:sldId id="263" r:id="rId16"/>
+    <p:sldId id="265" r:id="rId17"/>
+    <p:sldId id="260" r:id="rId18"/>
+    <p:sldId id="264" r:id="rId19"/>
   </p:sldIdLst>
   <p:sldSz cx="12192000" cy="6858000"/>
   <p:notesSz cx="6858000" cy="9144000"/>
@@ -120,6 +121,11 @@
       </a:defRPr>
     </a:lvl9pPr>
   </p:defaultTextStyle>
+  <p:extLst>
+    <p:ext uri="{EFAFB233-063F-42B5-8137-9DF3F51BA10A}">
+      <p15:sldGuideLst xmlns:p15="http://schemas.microsoft.com/office/powerpoint/2012/main"/>
+    </p:ext>
+  </p:extLst>
 </p:presentation>
 </file>
 
@@ -272,7 +278,7 @@
           <a:p>
             <a:fld id="{87DFEB83-DDA1-4901-82B2-7424542DA709}" type="datetimeFigureOut">
               <a:rPr lang="en-GB" smtClean="0"/>
-              <a:t>15/09/2020</a:t>
+              <a:t>17/09/2020</a:t>
             </a:fld>
             <a:endParaRPr lang="en-GB"/>
           </a:p>
@@ -472,7 +478,7 @@
           <a:p>
             <a:fld id="{87DFEB83-DDA1-4901-82B2-7424542DA709}" type="datetimeFigureOut">
               <a:rPr lang="en-GB" smtClean="0"/>
-              <a:t>15/09/2020</a:t>
+              <a:t>17/09/2020</a:t>
             </a:fld>
             <a:endParaRPr lang="en-GB"/>
           </a:p>
@@ -682,7 +688,7 @@
           <a:p>
             <a:fld id="{87DFEB83-DDA1-4901-82B2-7424542DA709}" type="datetimeFigureOut">
               <a:rPr lang="en-GB" smtClean="0"/>
-              <a:t>15/09/2020</a:t>
+              <a:t>17/09/2020</a:t>
             </a:fld>
             <a:endParaRPr lang="en-GB"/>
           </a:p>
@@ -882,7 +888,7 @@
           <a:p>
             <a:fld id="{87DFEB83-DDA1-4901-82B2-7424542DA709}" type="datetimeFigureOut">
               <a:rPr lang="en-GB" smtClean="0"/>
-              <a:t>15/09/2020</a:t>
+              <a:t>17/09/2020</a:t>
             </a:fld>
             <a:endParaRPr lang="en-GB"/>
           </a:p>
@@ -1158,7 +1164,7 @@
           <a:p>
             <a:fld id="{87DFEB83-DDA1-4901-82B2-7424542DA709}" type="datetimeFigureOut">
               <a:rPr lang="en-GB" smtClean="0"/>
-              <a:t>15/09/2020</a:t>
+              <a:t>17/09/2020</a:t>
             </a:fld>
             <a:endParaRPr lang="en-GB"/>
           </a:p>
@@ -1426,7 +1432,7 @@
           <a:p>
             <a:fld id="{87DFEB83-DDA1-4901-82B2-7424542DA709}" type="datetimeFigureOut">
               <a:rPr lang="en-GB" smtClean="0"/>
-              <a:t>15/09/2020</a:t>
+              <a:t>17/09/2020</a:t>
             </a:fld>
             <a:endParaRPr lang="en-GB"/>
           </a:p>
@@ -1841,7 +1847,7 @@
           <a:p>
             <a:fld id="{87DFEB83-DDA1-4901-82B2-7424542DA709}" type="datetimeFigureOut">
               <a:rPr lang="en-GB" smtClean="0"/>
-              <a:t>15/09/2020</a:t>
+              <a:t>17/09/2020</a:t>
             </a:fld>
             <a:endParaRPr lang="en-GB"/>
           </a:p>
@@ -1983,7 +1989,7 @@
           <a:p>
             <a:fld id="{87DFEB83-DDA1-4901-82B2-7424542DA709}" type="datetimeFigureOut">
               <a:rPr lang="en-GB" smtClean="0"/>
-              <a:t>15/09/2020</a:t>
+              <a:t>17/09/2020</a:t>
             </a:fld>
             <a:endParaRPr lang="en-GB"/>
           </a:p>
@@ -2096,7 +2102,7 @@
           <a:p>
             <a:fld id="{87DFEB83-DDA1-4901-82B2-7424542DA709}" type="datetimeFigureOut">
               <a:rPr lang="en-GB" smtClean="0"/>
-              <a:t>15/09/2020</a:t>
+              <a:t>17/09/2020</a:t>
             </a:fld>
             <a:endParaRPr lang="en-GB"/>
           </a:p>
@@ -2409,7 +2415,7 @@
           <a:p>
             <a:fld id="{87DFEB83-DDA1-4901-82B2-7424542DA709}" type="datetimeFigureOut">
               <a:rPr lang="en-GB" smtClean="0"/>
-              <a:t>15/09/2020</a:t>
+              <a:t>17/09/2020</a:t>
             </a:fld>
             <a:endParaRPr lang="en-GB"/>
           </a:p>
@@ -2698,7 +2704,7 @@
           <a:p>
             <a:fld id="{87DFEB83-DDA1-4901-82B2-7424542DA709}" type="datetimeFigureOut">
               <a:rPr lang="en-GB" smtClean="0"/>
-              <a:t>15/09/2020</a:t>
+              <a:t>17/09/2020</a:t>
             </a:fld>
             <a:endParaRPr lang="en-GB"/>
           </a:p>
@@ -2941,7 +2947,7 @@
           <a:p>
             <a:fld id="{87DFEB83-DDA1-4901-82B2-7424542DA709}" type="datetimeFigureOut">
               <a:rPr lang="en-GB" smtClean="0"/>
-              <a:t>15/09/2020</a:t>
+              <a:t>17/09/2020</a:t>
             </a:fld>
             <a:endParaRPr lang="en-GB"/>
           </a:p>
@@ -3453,6 +3459,171 @@
           <p:cNvPr id="2" name="Titre 1">
             <a:extLst>
               <a:ext uri="{FF2B5EF4-FFF2-40B4-BE49-F238E27FC236}">
+                <a16:creationId xmlns:a16="http://schemas.microsoft.com/office/drawing/2014/main" id="{D9F02FB5-1A27-4B25-8E83-7ED6F17DECCE}"/>
+              </a:ext>
+            </a:extLst>
+          </p:cNvPr>
+          <p:cNvSpPr>
+            <a:spLocks noGrp="1"/>
+          </p:cNvSpPr>
+          <p:nvPr>
+            <p:ph type="title"/>
+          </p:nvPr>
+        </p:nvSpPr>
+        <p:spPr/>
+        <p:txBody>
+          <a:bodyPr/>
+          <a:lstStyle/>
+          <a:p>
+            <a:r>
+              <a:rPr lang="en-GB" dirty="0"/>
+              <a:t>Dependence plots</a:t>
+            </a:r>
+          </a:p>
+        </p:txBody>
+      </p:sp>
+      <p:pic>
+        <p:nvPicPr>
+          <p:cNvPr id="5" name="Espace réservé du contenu 4">
+            <a:extLst>
+              <a:ext uri="{FF2B5EF4-FFF2-40B4-BE49-F238E27FC236}">
+                <a16:creationId xmlns:a16="http://schemas.microsoft.com/office/drawing/2014/main" id="{B9429410-DEE6-42B8-802B-B663196DEAA2}"/>
+              </a:ext>
+            </a:extLst>
+          </p:cNvPr>
+          <p:cNvPicPr>
+            <a:picLocks noGrp="1" noChangeAspect="1"/>
+          </p:cNvPicPr>
+          <p:nvPr>
+            <p:ph idx="1"/>
+          </p:nvPr>
+        </p:nvPicPr>
+        <p:blipFill>
+          <a:blip r:embed="rId2">
+            <a:extLst>
+              <a:ext uri="{28A0092B-C50C-407E-A947-70E740481C1C}">
+                <a14:useLocalDpi xmlns:a14="http://schemas.microsoft.com/office/drawing/2010/main" val="0"/>
+              </a:ext>
+            </a:extLst>
+          </a:blip>
+          <a:stretch>
+            <a:fillRect/>
+          </a:stretch>
+        </p:blipFill>
+        <p:spPr>
+          <a:xfrm>
+            <a:off x="207741" y="1866721"/>
+            <a:ext cx="5221605" cy="4351338"/>
+          </a:xfrm>
+        </p:spPr>
+      </p:pic>
+      <p:pic>
+        <p:nvPicPr>
+          <p:cNvPr id="7" name="Image 6" descr="Une image contenant capture d’écran&#10;&#10;Description générée automatiquement">
+            <a:extLst>
+              <a:ext uri="{FF2B5EF4-FFF2-40B4-BE49-F238E27FC236}">
+                <a16:creationId xmlns:a16="http://schemas.microsoft.com/office/drawing/2014/main" id="{E688D511-EE4E-4475-80B9-E684A2D33B1F}"/>
+              </a:ext>
+            </a:extLst>
+          </p:cNvPr>
+          <p:cNvPicPr>
+            <a:picLocks noChangeAspect="1"/>
+          </p:cNvPicPr>
+          <p:nvPr/>
+        </p:nvPicPr>
+        <p:blipFill>
+          <a:blip r:embed="rId3">
+            <a:extLst>
+              <a:ext uri="{28A0092B-C50C-407E-A947-70E740481C1C}">
+                <a14:useLocalDpi xmlns:a14="http://schemas.microsoft.com/office/drawing/2010/main" val="0"/>
+              </a:ext>
+            </a:extLst>
+          </a:blip>
+          <a:stretch>
+            <a:fillRect/>
+          </a:stretch>
+        </p:blipFill>
+        <p:spPr>
+          <a:xfrm>
+            <a:off x="7064851" y="3429000"/>
+            <a:ext cx="4288949" cy="3216712"/>
+          </a:xfrm>
+          <a:prstGeom prst="rect">
+            <a:avLst/>
+          </a:prstGeom>
+        </p:spPr>
+      </p:pic>
+      <p:pic>
+        <p:nvPicPr>
+          <p:cNvPr id="9" name="Image 8" descr="Une image contenant capture d’écran&#10;&#10;Description générée automatiquement">
+            <a:extLst>
+              <a:ext uri="{FF2B5EF4-FFF2-40B4-BE49-F238E27FC236}">
+                <a16:creationId xmlns:a16="http://schemas.microsoft.com/office/drawing/2014/main" id="{3BE46F29-180A-45E4-9B5F-FCC9F452CB15}"/>
+              </a:ext>
+            </a:extLst>
+          </p:cNvPr>
+          <p:cNvPicPr>
+            <a:picLocks noChangeAspect="1"/>
+          </p:cNvPicPr>
+          <p:nvPr/>
+        </p:nvPicPr>
+        <p:blipFill>
+          <a:blip r:embed="rId4">
+            <a:extLst>
+              <a:ext uri="{28A0092B-C50C-407E-A947-70E740481C1C}">
+                <a14:useLocalDpi xmlns:a14="http://schemas.microsoft.com/office/drawing/2010/main" val="0"/>
+              </a:ext>
+            </a:extLst>
+          </a:blip>
+          <a:stretch>
+            <a:fillRect/>
+          </a:stretch>
+        </p:blipFill>
+        <p:spPr>
+          <a:xfrm>
+            <a:off x="7178723" y="365125"/>
+            <a:ext cx="4175077" cy="3131308"/>
+          </a:xfrm>
+          <a:prstGeom prst="rect">
+            <a:avLst/>
+          </a:prstGeom>
+        </p:spPr>
+      </p:pic>
+    </p:spTree>
+    <p:extLst>
+      <p:ext uri="{BB962C8B-B14F-4D97-AF65-F5344CB8AC3E}">
+        <p14:creationId xmlns:p14="http://schemas.microsoft.com/office/powerpoint/2010/main" val="3412212250"/>
+      </p:ext>
+    </p:extLst>
+  </p:cSld>
+  <p:clrMapOvr>
+    <a:masterClrMapping/>
+  </p:clrMapOvr>
+</p:sld>
+</file>
+
+<file path=ppt/slides/slide11.xml><?xml version="1.0" encoding="utf-8"?>
+<p:sld xmlns:a="http://schemas.openxmlformats.org/drawingml/2006/main" xmlns:r="http://schemas.openxmlformats.org/officeDocument/2006/relationships" xmlns:p="http://schemas.openxmlformats.org/presentationml/2006/main">
+  <p:cSld>
+    <p:spTree>
+      <p:nvGrpSpPr>
+        <p:cNvPr id="1" name=""/>
+        <p:cNvGrpSpPr/>
+        <p:nvPr/>
+      </p:nvGrpSpPr>
+      <p:grpSpPr>
+        <a:xfrm>
+          <a:off x="0" y="0"/>
+          <a:ext cx="0" cy="0"/>
+          <a:chOff x="0" y="0"/>
+          <a:chExt cx="0" cy="0"/>
+        </a:xfrm>
+      </p:grpSpPr>
+      <p:sp>
+        <p:nvSpPr>
+          <p:cNvPr id="2" name="Titre 1">
+            <a:extLst>
+              <a:ext uri="{FF2B5EF4-FFF2-40B4-BE49-F238E27FC236}">
                 <a16:creationId xmlns:a16="http://schemas.microsoft.com/office/drawing/2014/main" id="{670C3A0E-391C-450A-A3F9-68BF7E5A0F93}"/>
               </a:ext>
             </a:extLst>
@@ -3514,10 +3685,10 @@
       </p:pic>
       <p:pic>
         <p:nvPicPr>
-          <p:cNvPr id="20" name="Espace réservé du contenu 19" descr="Une image contenant capture d’écran&#10;&#10;Description générée automatiquement">
-            <a:extLst>
-              <a:ext uri="{FF2B5EF4-FFF2-40B4-BE49-F238E27FC236}">
-                <a16:creationId xmlns:a16="http://schemas.microsoft.com/office/drawing/2014/main" id="{F86B0F6A-7000-4DD7-B1B5-01EB9244CF65}"/>
+          <p:cNvPr id="6" name="Espace réservé du contenu 5" descr="Une image contenant capture d’écran&#10;&#10;Description générée automatiquement">
+            <a:extLst>
+              <a:ext uri="{FF2B5EF4-FFF2-40B4-BE49-F238E27FC236}">
+                <a16:creationId xmlns:a16="http://schemas.microsoft.com/office/drawing/2014/main" id="{E7B9556D-220F-4C0A-BE64-64BF3105DDE9}"/>
               </a:ext>
             </a:extLst>
           </p:cNvPr>
@@ -3542,17 +3713,17 @@
         </p:blipFill>
         <p:spPr>
           <a:xfrm>
-            <a:off x="6503387" y="276179"/>
-            <a:ext cx="4618736" cy="2998194"/>
+            <a:off x="7041065" y="447203"/>
+            <a:ext cx="3982579" cy="2986934"/>
           </a:xfrm>
         </p:spPr>
       </p:pic>
       <p:pic>
         <p:nvPicPr>
-          <p:cNvPr id="22" name="Image 21" descr="Une image contenant capture d’écran&#10;&#10;Description générée automatiquement">
-            <a:extLst>
-              <a:ext uri="{FF2B5EF4-FFF2-40B4-BE49-F238E27FC236}">
-                <a16:creationId xmlns:a16="http://schemas.microsoft.com/office/drawing/2014/main" id="{A2A33405-FD1A-452E-BC25-AB1203C1D584}"/>
+          <p:cNvPr id="8" name="Image 7" descr="Une image contenant capture d’écran&#10;&#10;Description générée automatiquement">
+            <a:extLst>
+              <a:ext uri="{FF2B5EF4-FFF2-40B4-BE49-F238E27FC236}">
+                <a16:creationId xmlns:a16="http://schemas.microsoft.com/office/drawing/2014/main" id="{67C76CDF-540E-4A36-BF00-220F40C3F162}"/>
               </a:ext>
             </a:extLst>
           </p:cNvPr>
@@ -3575,8 +3746,8 @@
         </p:blipFill>
         <p:spPr>
           <a:xfrm>
-            <a:off x="6596693" y="3274373"/>
-            <a:ext cx="4525430" cy="3394073"/>
+            <a:off x="6984514" y="3516215"/>
+            <a:ext cx="4095680" cy="3071760"/>
           </a:xfrm>
           <a:prstGeom prst="rect">
             <a:avLst/>
@@ -3596,7 +3767,7 @@
 </p:sld>
 </file>
 
-<file path=ppt/slides/slide11.xml><?xml version="1.0" encoding="utf-8"?>
+<file path=ppt/slides/slide12.xml><?xml version="1.0" encoding="utf-8"?>
 <p:sld xmlns:a="http://schemas.openxmlformats.org/drawingml/2006/main" xmlns:r="http://schemas.openxmlformats.org/officeDocument/2006/relationships" xmlns:p="http://schemas.openxmlformats.org/presentationml/2006/main">
   <p:cSld>
     <p:spTree>
@@ -3725,118 +3896,6 @@
 </p:sld>
 </file>
 
-<file path=ppt/slides/slide12.xml><?xml version="1.0" encoding="utf-8"?>
-<p:sld xmlns:a="http://schemas.openxmlformats.org/drawingml/2006/main" xmlns:r="http://schemas.openxmlformats.org/officeDocument/2006/relationships" xmlns:p="http://schemas.openxmlformats.org/presentationml/2006/main">
-  <p:cSld>
-    <p:spTree>
-      <p:nvGrpSpPr>
-        <p:cNvPr id="1" name=""/>
-        <p:cNvGrpSpPr/>
-        <p:nvPr/>
-      </p:nvGrpSpPr>
-      <p:grpSpPr>
-        <a:xfrm>
-          <a:off x="0" y="0"/>
-          <a:ext cx="0" cy="0"/>
-          <a:chOff x="0" y="0"/>
-          <a:chExt cx="0" cy="0"/>
-        </a:xfrm>
-      </p:grpSpPr>
-      <p:sp>
-        <p:nvSpPr>
-          <p:cNvPr id="2" name="Titre 1">
-            <a:extLst>
-              <a:ext uri="{FF2B5EF4-FFF2-40B4-BE49-F238E27FC236}">
-                <a16:creationId xmlns:a16="http://schemas.microsoft.com/office/drawing/2014/main" id="{86DAADD5-26F0-4AF7-AF63-A70DE7D2CEC3}"/>
-              </a:ext>
-            </a:extLst>
-          </p:cNvPr>
-          <p:cNvSpPr>
-            <a:spLocks noGrp="1"/>
-          </p:cNvSpPr>
-          <p:nvPr>
-            <p:ph type="title"/>
-          </p:nvPr>
-        </p:nvSpPr>
-        <p:spPr/>
-        <p:txBody>
-          <a:bodyPr/>
-          <a:lstStyle/>
-          <a:p>
-            <a:r>
-              <a:rPr lang="en-GB" dirty="0"/>
-              <a:t>Next steps	 </a:t>
-            </a:r>
-          </a:p>
-        </p:txBody>
-      </p:sp>
-      <p:sp>
-        <p:nvSpPr>
-          <p:cNvPr id="3" name="Espace réservé du contenu 2">
-            <a:extLst>
-              <a:ext uri="{FF2B5EF4-FFF2-40B4-BE49-F238E27FC236}">
-                <a16:creationId xmlns:a16="http://schemas.microsoft.com/office/drawing/2014/main" id="{3ACA6807-A634-44E9-9DE3-F609B630AC26}"/>
-              </a:ext>
-            </a:extLst>
-          </p:cNvPr>
-          <p:cNvSpPr>
-            <a:spLocks noGrp="1"/>
-          </p:cNvSpPr>
-          <p:nvPr>
-            <p:ph idx="1"/>
-          </p:nvPr>
-        </p:nvSpPr>
-        <p:spPr/>
-        <p:txBody>
-          <a:bodyPr/>
-          <a:lstStyle/>
-          <a:p>
-            <a:r>
-              <a:rPr lang="en-GB" dirty="0"/>
-              <a:t>Check the different plots and investigate features which have some ”gaps” in the values taken, if possible interacting with business people, to be sure this is not some outliers in the data</a:t>
-            </a:r>
-          </a:p>
-          <a:p>
-            <a:r>
-              <a:rPr lang="en-GB" dirty="0"/>
-              <a:t>Improve feature engineering</a:t>
-            </a:r>
-          </a:p>
-          <a:p>
-            <a:r>
-              <a:rPr lang="en-GB" dirty="0"/>
-              <a:t>Tune </a:t>
-            </a:r>
-            <a:r>
-              <a:rPr lang="en-GB" dirty="0" err="1"/>
-              <a:t>lightgbm</a:t>
-            </a:r>
-            <a:endParaRPr lang="en-GB" dirty="0"/>
-          </a:p>
-          <a:p>
-            <a:pPr marL="0" indent="0">
-              <a:buNone/>
-            </a:pPr>
-            <a:endParaRPr lang="en-GB" dirty="0"/>
-          </a:p>
-          <a:p>
-            <a:endParaRPr lang="en-GB" dirty="0"/>
-          </a:p>
-        </p:txBody>
-      </p:sp>
-    </p:spTree>
-    <p:extLst>
-      <p:ext uri="{BB962C8B-B14F-4D97-AF65-F5344CB8AC3E}">
-        <p14:creationId xmlns:p14="http://schemas.microsoft.com/office/powerpoint/2010/main" val="2826364336"/>
-      </p:ext>
-    </p:extLst>
-  </p:cSld>
-  <p:clrMapOvr>
-    <a:masterClrMapping/>
-  </p:clrMapOvr>
-</p:sld>
-</file>
-
 <file path=ppt/slides/slide13.xml><?xml version="1.0" encoding="utf-8"?>
 <p:sld xmlns:a="http://schemas.openxmlformats.org/drawingml/2006/main" xmlns:r="http://schemas.openxmlformats.org/officeDocument/2006/relationships" xmlns:p="http://schemas.openxmlformats.org/presentationml/2006/main">
   <p:cSld>
@@ -3859,7 +3918,7 @@
           <p:cNvPr id="2" name="Titre 1">
             <a:extLst>
               <a:ext uri="{FF2B5EF4-FFF2-40B4-BE49-F238E27FC236}">
-                <a16:creationId xmlns:a16="http://schemas.microsoft.com/office/drawing/2014/main" id="{7C32B369-763E-4786-B566-44ACA1C29389}"/>
+                <a16:creationId xmlns:a16="http://schemas.microsoft.com/office/drawing/2014/main" id="{86DAADD5-26F0-4AF7-AF63-A70DE7D2CEC3}"/>
               </a:ext>
             </a:extLst>
           </p:cNvPr>
@@ -3877,7 +3936,7 @@
           <a:p>
             <a:r>
               <a:rPr lang="en-GB" dirty="0"/>
-              <a:t>Final model</a:t>
+              <a:t>Next steps	 </a:t>
             </a:r>
           </a:p>
         </p:txBody>
@@ -3887,7 +3946,7 @@
           <p:cNvPr id="3" name="Espace réservé du contenu 2">
             <a:extLst>
               <a:ext uri="{FF2B5EF4-FFF2-40B4-BE49-F238E27FC236}">
-                <a16:creationId xmlns:a16="http://schemas.microsoft.com/office/drawing/2014/main" id="{AF8FCC36-137D-4427-97F4-7F961E31C223}"/>
+                <a16:creationId xmlns:a16="http://schemas.microsoft.com/office/drawing/2014/main" id="{3ACA6807-A634-44E9-9DE3-F609B630AC26}"/>
               </a:ext>
             </a:extLst>
           </p:cNvPr>
@@ -3903,14 +3962,43 @@
           <a:bodyPr/>
           <a:lstStyle/>
           <a:p>
-            <a:endParaRPr lang="en-GB"/>
+            <a:r>
+              <a:rPr lang="en-GB" dirty="0"/>
+              <a:t>Check the different plots and investigate features which have some ”gaps” in the values taken, if possible interacting with business people, to be sure this is not some outliers in the data</a:t>
+            </a:r>
+          </a:p>
+          <a:p>
+            <a:r>
+              <a:rPr lang="en-GB" dirty="0"/>
+              <a:t>Improve feature engineering</a:t>
+            </a:r>
+          </a:p>
+          <a:p>
+            <a:r>
+              <a:rPr lang="en-GB" dirty="0"/>
+              <a:t>Tune </a:t>
+            </a:r>
+            <a:r>
+              <a:rPr lang="en-GB" dirty="0" err="1"/>
+              <a:t>lightgbm</a:t>
+            </a:r>
+            <a:endParaRPr lang="en-GB" dirty="0"/>
+          </a:p>
+          <a:p>
+            <a:pPr marL="0" indent="0">
+              <a:buNone/>
+            </a:pPr>
+            <a:endParaRPr lang="en-GB" dirty="0"/>
+          </a:p>
+          <a:p>
+            <a:endParaRPr lang="en-GB" dirty="0"/>
           </a:p>
         </p:txBody>
       </p:sp>
     </p:spTree>
     <p:extLst>
       <p:ext uri="{BB962C8B-B14F-4D97-AF65-F5344CB8AC3E}">
-        <p14:creationId xmlns:p14="http://schemas.microsoft.com/office/powerpoint/2010/main" val="446785142"/>
+        <p14:creationId xmlns:p14="http://schemas.microsoft.com/office/powerpoint/2010/main" val="2826364336"/>
       </p:ext>
     </p:extLst>
   </p:cSld>
@@ -3942,7 +4030,7 @@
           <p:cNvPr id="2" name="Titre 1">
             <a:extLst>
               <a:ext uri="{FF2B5EF4-FFF2-40B4-BE49-F238E27FC236}">
-                <a16:creationId xmlns:a16="http://schemas.microsoft.com/office/drawing/2014/main" id="{DAC66D4E-0EF2-471D-BFAC-B1F02232DD05}"/>
+                <a16:creationId xmlns:a16="http://schemas.microsoft.com/office/drawing/2014/main" id="{7C32B369-763E-4786-B566-44ACA1C29389}"/>
               </a:ext>
             </a:extLst>
           </p:cNvPr>
@@ -3960,13 +4048,8 @@
           <a:p>
             <a:r>
               <a:rPr lang="en-GB" dirty="0"/>
-              <a:t>Model </a:t>
-            </a:r>
-            <a:r>
-              <a:rPr lang="en-GB" dirty="0" err="1"/>
-              <a:t>explainability</a:t>
-            </a:r>
-            <a:endParaRPr lang="en-GB" dirty="0"/>
+              <a:t>Final model</a:t>
+            </a:r>
           </a:p>
         </p:txBody>
       </p:sp>
@@ -3975,7 +4058,7 @@
           <p:cNvPr id="3" name="Espace réservé du contenu 2">
             <a:extLst>
               <a:ext uri="{FF2B5EF4-FFF2-40B4-BE49-F238E27FC236}">
-                <a16:creationId xmlns:a16="http://schemas.microsoft.com/office/drawing/2014/main" id="{6223BE3F-43A1-47D5-B0F2-270885F32A15}"/>
+                <a16:creationId xmlns:a16="http://schemas.microsoft.com/office/drawing/2014/main" id="{AF8FCC36-137D-4427-97F4-7F961E31C223}"/>
               </a:ext>
             </a:extLst>
           </p:cNvPr>
@@ -3998,7 +4081,7 @@
     </p:spTree>
     <p:extLst>
       <p:ext uri="{BB962C8B-B14F-4D97-AF65-F5344CB8AC3E}">
-        <p14:creationId xmlns:p14="http://schemas.microsoft.com/office/powerpoint/2010/main" val="2924376313"/>
+        <p14:creationId xmlns:p14="http://schemas.microsoft.com/office/powerpoint/2010/main" val="446785142"/>
       </p:ext>
     </p:extLst>
   </p:cSld>
@@ -4030,7 +4113,7 @@
           <p:cNvPr id="2" name="Titre 1">
             <a:extLst>
               <a:ext uri="{FF2B5EF4-FFF2-40B4-BE49-F238E27FC236}">
-                <a16:creationId xmlns:a16="http://schemas.microsoft.com/office/drawing/2014/main" id="{E4AF9874-4601-4419-9B37-86A286416DB8}"/>
+                <a16:creationId xmlns:a16="http://schemas.microsoft.com/office/drawing/2014/main" id="{DAC66D4E-0EF2-471D-BFAC-B1F02232DD05}"/>
               </a:ext>
             </a:extLst>
           </p:cNvPr>
@@ -4048,11 +4131,11 @@
           <a:p>
             <a:r>
               <a:rPr lang="en-GB" dirty="0"/>
-              <a:t>Features </a:t>
+              <a:t>Model </a:t>
             </a:r>
             <a:r>
               <a:rPr lang="en-GB" dirty="0" err="1"/>
-              <a:t>importances</a:t>
+              <a:t>explainability</a:t>
             </a:r>
             <a:endParaRPr lang="en-GB" dirty="0"/>
           </a:p>
@@ -4063,7 +4146,7 @@
           <p:cNvPr id="3" name="Espace réservé du contenu 2">
             <a:extLst>
               <a:ext uri="{FF2B5EF4-FFF2-40B4-BE49-F238E27FC236}">
-                <a16:creationId xmlns:a16="http://schemas.microsoft.com/office/drawing/2014/main" id="{FD009A02-BAAF-4062-8F48-C3FC770B31C9}"/>
+                <a16:creationId xmlns:a16="http://schemas.microsoft.com/office/drawing/2014/main" id="{6223BE3F-43A1-47D5-B0F2-270885F32A15}"/>
               </a:ext>
             </a:extLst>
           </p:cNvPr>
@@ -4079,14 +4162,14 @@
           <a:bodyPr/>
           <a:lstStyle/>
           <a:p>
-            <a:endParaRPr lang="en-GB" dirty="0"/>
+            <a:endParaRPr lang="en-GB"/>
           </a:p>
         </p:txBody>
       </p:sp>
     </p:spTree>
     <p:extLst>
       <p:ext uri="{BB962C8B-B14F-4D97-AF65-F5344CB8AC3E}">
-        <p14:creationId xmlns:p14="http://schemas.microsoft.com/office/powerpoint/2010/main" val="1660970182"/>
+        <p14:creationId xmlns:p14="http://schemas.microsoft.com/office/powerpoint/2010/main" val="2924376313"/>
       </p:ext>
     </p:extLst>
   </p:cSld>
@@ -4118,6 +4201,94 @@
           <p:cNvPr id="2" name="Titre 1">
             <a:extLst>
               <a:ext uri="{FF2B5EF4-FFF2-40B4-BE49-F238E27FC236}">
+                <a16:creationId xmlns:a16="http://schemas.microsoft.com/office/drawing/2014/main" id="{E4AF9874-4601-4419-9B37-86A286416DB8}"/>
+              </a:ext>
+            </a:extLst>
+          </p:cNvPr>
+          <p:cNvSpPr>
+            <a:spLocks noGrp="1"/>
+          </p:cNvSpPr>
+          <p:nvPr>
+            <p:ph type="title"/>
+          </p:nvPr>
+        </p:nvSpPr>
+        <p:spPr/>
+        <p:txBody>
+          <a:bodyPr/>
+          <a:lstStyle/>
+          <a:p>
+            <a:r>
+              <a:rPr lang="en-GB" dirty="0"/>
+              <a:t>Features </a:t>
+            </a:r>
+            <a:r>
+              <a:rPr lang="en-GB" dirty="0" err="1"/>
+              <a:t>importances</a:t>
+            </a:r>
+            <a:endParaRPr lang="en-GB" dirty="0"/>
+          </a:p>
+        </p:txBody>
+      </p:sp>
+      <p:sp>
+        <p:nvSpPr>
+          <p:cNvPr id="3" name="Espace réservé du contenu 2">
+            <a:extLst>
+              <a:ext uri="{FF2B5EF4-FFF2-40B4-BE49-F238E27FC236}">
+                <a16:creationId xmlns:a16="http://schemas.microsoft.com/office/drawing/2014/main" id="{FD009A02-BAAF-4062-8F48-C3FC770B31C9}"/>
+              </a:ext>
+            </a:extLst>
+          </p:cNvPr>
+          <p:cNvSpPr>
+            <a:spLocks noGrp="1"/>
+          </p:cNvSpPr>
+          <p:nvPr>
+            <p:ph idx="1"/>
+          </p:nvPr>
+        </p:nvSpPr>
+        <p:spPr/>
+        <p:txBody>
+          <a:bodyPr/>
+          <a:lstStyle/>
+          <a:p>
+            <a:endParaRPr lang="en-GB" dirty="0"/>
+          </a:p>
+        </p:txBody>
+      </p:sp>
+    </p:spTree>
+    <p:extLst>
+      <p:ext uri="{BB962C8B-B14F-4D97-AF65-F5344CB8AC3E}">
+        <p14:creationId xmlns:p14="http://schemas.microsoft.com/office/powerpoint/2010/main" val="1660970182"/>
+      </p:ext>
+    </p:extLst>
+  </p:cSld>
+  <p:clrMapOvr>
+    <a:masterClrMapping/>
+  </p:clrMapOvr>
+</p:sld>
+</file>
+
+<file path=ppt/slides/slide17.xml><?xml version="1.0" encoding="utf-8"?>
+<p:sld xmlns:a="http://schemas.openxmlformats.org/drawingml/2006/main" xmlns:r="http://schemas.openxmlformats.org/officeDocument/2006/relationships" xmlns:p="http://schemas.openxmlformats.org/presentationml/2006/main">
+  <p:cSld>
+    <p:spTree>
+      <p:nvGrpSpPr>
+        <p:cNvPr id="1" name=""/>
+        <p:cNvGrpSpPr/>
+        <p:nvPr/>
+      </p:nvGrpSpPr>
+      <p:grpSpPr>
+        <a:xfrm>
+          <a:off x="0" y="0"/>
+          <a:ext cx="0" cy="0"/>
+          <a:chOff x="0" y="0"/>
+          <a:chExt cx="0" cy="0"/>
+        </a:xfrm>
+      </p:grpSpPr>
+      <p:sp>
+        <p:nvSpPr>
+          <p:cNvPr id="2" name="Titre 1">
+            <a:extLst>
+              <a:ext uri="{FF2B5EF4-FFF2-40B4-BE49-F238E27FC236}">
                 <a16:creationId xmlns:a16="http://schemas.microsoft.com/office/drawing/2014/main" id="{59E9B46A-F076-45B5-AA98-805F58A4C819}"/>
               </a:ext>
             </a:extLst>
@@ -4200,7 +4371,7 @@
 </p:sld>
 </file>
 
-<file path=ppt/slides/slide17.xml><?xml version="1.0" encoding="utf-8"?>
+<file path=ppt/slides/slide18.xml><?xml version="1.0" encoding="utf-8"?>
 <p:sld xmlns:a="http://schemas.openxmlformats.org/drawingml/2006/main" xmlns:r="http://schemas.openxmlformats.org/officeDocument/2006/relationships" xmlns:p="http://schemas.openxmlformats.org/presentationml/2006/main">
   <p:cSld>
     <p:spTree>
@@ -4583,10 +4754,10 @@
       </p:sp>
       <p:pic>
         <p:nvPicPr>
-          <p:cNvPr id="29" name="Espace réservé du contenu 28" descr="Une image contenant capture d’écran, dessin&#10;&#10;Description générée automatiquement">
-            <a:extLst>
-              <a:ext uri="{FF2B5EF4-FFF2-40B4-BE49-F238E27FC236}">
-                <a16:creationId xmlns:a16="http://schemas.microsoft.com/office/drawing/2014/main" id="{5AAFC0FD-A823-4D4A-B5F0-2CB0BEB28D0E}"/>
+          <p:cNvPr id="6" name="Espace réservé du contenu 5" descr="Une image contenant capture d’écran&#10;&#10;Description générée automatiquement">
+            <a:extLst>
+              <a:ext uri="{FF2B5EF4-FFF2-40B4-BE49-F238E27FC236}">
+                <a16:creationId xmlns:a16="http://schemas.microsoft.com/office/drawing/2014/main" id="{A3F4B73D-B8B8-4219-B777-93CE82BC4B36}"/>
               </a:ext>
             </a:extLst>
           </p:cNvPr>
@@ -4611,17 +4782,17 @@
         </p:blipFill>
         <p:spPr>
           <a:xfrm>
-            <a:off x="400538" y="1507126"/>
+            <a:off x="6096000" y="1647023"/>
             <a:ext cx="5801784" cy="4351338"/>
           </a:xfrm>
         </p:spPr>
       </p:pic>
       <p:pic>
         <p:nvPicPr>
-          <p:cNvPr id="33" name="Image 32" descr="Une image contenant capture d’écran&#10;&#10;Description générée automatiquement">
-            <a:extLst>
-              <a:ext uri="{FF2B5EF4-FFF2-40B4-BE49-F238E27FC236}">
-                <a16:creationId xmlns:a16="http://schemas.microsoft.com/office/drawing/2014/main" id="{239EB862-9887-4367-961A-6A1A3D00BD96}"/>
+          <p:cNvPr id="8" name="Image 7" descr="Une image contenant capture d’écran, dessin&#10;&#10;Description générée automatiquement">
+            <a:extLst>
+              <a:ext uri="{FF2B5EF4-FFF2-40B4-BE49-F238E27FC236}">
+                <a16:creationId xmlns:a16="http://schemas.microsoft.com/office/drawing/2014/main" id="{8A294B12-0197-480D-BADC-DAA426ADBD64}"/>
               </a:ext>
             </a:extLst>
           </p:cNvPr>
@@ -4644,8 +4815,8 @@
         </p:blipFill>
         <p:spPr>
           <a:xfrm>
-            <a:off x="6416547" y="1488230"/>
-            <a:ext cx="5852172" cy="4224201"/>
+            <a:off x="0" y="1690688"/>
+            <a:ext cx="5852172" cy="4389129"/>
           </a:xfrm>
           <a:prstGeom prst="rect">
             <a:avLst/>
@@ -4703,16 +4874,16 @@
           <a:bodyPr/>
           <a:lstStyle/>
           <a:p>
-            <a:endParaRPr lang="en-GB"/>
+            <a:endParaRPr lang="en-GB" dirty="0"/>
           </a:p>
         </p:txBody>
       </p:sp>
       <p:pic>
         <p:nvPicPr>
-          <p:cNvPr id="5" name="Espace réservé du contenu 4" descr="Une image contenant dessin&#10;&#10;Description générée automatiquement">
-            <a:extLst>
-              <a:ext uri="{FF2B5EF4-FFF2-40B4-BE49-F238E27FC236}">
-                <a16:creationId xmlns:a16="http://schemas.microsoft.com/office/drawing/2014/main" id="{8EE2063A-7106-46DA-9753-3A6DFA824E03}"/>
+          <p:cNvPr id="14" name="Espace réservé du contenu 13" descr="Une image contenant capture d’écran, dessin&#10;&#10;Description générée automatiquement">
+            <a:extLst>
+              <a:ext uri="{FF2B5EF4-FFF2-40B4-BE49-F238E27FC236}">
+                <a16:creationId xmlns:a16="http://schemas.microsoft.com/office/drawing/2014/main" id="{4F14898A-E332-46CC-986C-A7B7F8AD900C}"/>
               </a:ext>
             </a:extLst>
           </p:cNvPr>
@@ -4737,17 +4908,17 @@
         </p:blipFill>
         <p:spPr>
           <a:xfrm>
-            <a:off x="294216" y="1918092"/>
-            <a:ext cx="5801784" cy="4351338"/>
+            <a:off x="5852172" y="1983043"/>
+            <a:ext cx="5801784" cy="4389129"/>
           </a:xfrm>
         </p:spPr>
       </p:pic>
       <p:pic>
         <p:nvPicPr>
-          <p:cNvPr id="7" name="Image 6" descr="Une image contenant capture d’écran, dessin&#10;&#10;Description générée automatiquement">
-            <a:extLst>
-              <a:ext uri="{FF2B5EF4-FFF2-40B4-BE49-F238E27FC236}">
-                <a16:creationId xmlns:a16="http://schemas.microsoft.com/office/drawing/2014/main" id="{105A1F46-8CDE-48AA-8FAE-5D9401C0F362}"/>
+          <p:cNvPr id="16" name="Image 15" descr="Une image contenant capture d’écran, dessin&#10;&#10;Description générée automatiquement">
+            <a:extLst>
+              <a:ext uri="{FF2B5EF4-FFF2-40B4-BE49-F238E27FC236}">
+                <a16:creationId xmlns:a16="http://schemas.microsoft.com/office/drawing/2014/main" id="{214DE53A-8A5F-4270-A50D-9DB868376059}"/>
               </a:ext>
             </a:extLst>
           </p:cNvPr>
@@ -4770,7 +4941,7 @@
         </p:blipFill>
         <p:spPr>
           <a:xfrm>
-            <a:off x="6045612" y="1880301"/>
+            <a:off x="0" y="1983043"/>
             <a:ext cx="5852172" cy="4389129"/>
           </a:xfrm>
           <a:prstGeom prst="rect">
@@ -4835,10 +5006,10 @@
       </p:sp>
       <p:pic>
         <p:nvPicPr>
-          <p:cNvPr id="5" name="Espace réservé du contenu 4" descr="Une image contenant capture d’écran&#10;&#10;Description générée automatiquement">
-            <a:extLst>
-              <a:ext uri="{FF2B5EF4-FFF2-40B4-BE49-F238E27FC236}">
-                <a16:creationId xmlns:a16="http://schemas.microsoft.com/office/drawing/2014/main" id="{CBBCA7C9-F556-4AC7-BEBF-ABF9C09AEF5D}"/>
+          <p:cNvPr id="8" name="Espace réservé du contenu 7" descr="Une image contenant capture d’écran&#10;&#10;Description générée automatiquement">
+            <a:extLst>
+              <a:ext uri="{FF2B5EF4-FFF2-40B4-BE49-F238E27FC236}">
+                <a16:creationId xmlns:a16="http://schemas.microsoft.com/office/drawing/2014/main" id="{B03D8CD0-A317-4A49-B7E6-11C552AA503D}"/>
               </a:ext>
             </a:extLst>
           </p:cNvPr>
@@ -4863,17 +5034,17 @@
         </p:blipFill>
         <p:spPr>
           <a:xfrm>
-            <a:off x="294216" y="2010560"/>
+            <a:off x="6221341" y="1863416"/>
             <a:ext cx="5801784" cy="4351338"/>
           </a:xfrm>
         </p:spPr>
       </p:pic>
       <p:pic>
         <p:nvPicPr>
-          <p:cNvPr id="7" name="Image 6" descr="Une image contenant capture d’écran&#10;&#10;Description générée automatiquement">
-            <a:extLst>
-              <a:ext uri="{FF2B5EF4-FFF2-40B4-BE49-F238E27FC236}">
-                <a16:creationId xmlns:a16="http://schemas.microsoft.com/office/drawing/2014/main" id="{D56B5E8D-CCC0-4878-BA34-51E6738664EC}"/>
+          <p:cNvPr id="10" name="Image 9" descr="Une image contenant capture d’écran&#10;&#10;Description générée automatiquement">
+            <a:extLst>
+              <a:ext uri="{FF2B5EF4-FFF2-40B4-BE49-F238E27FC236}">
+                <a16:creationId xmlns:a16="http://schemas.microsoft.com/office/drawing/2014/main" id="{C5EC2A27-7BC9-499C-83A6-26BC3384105B}"/>
               </a:ext>
             </a:extLst>
           </p:cNvPr>
@@ -4896,7 +5067,7 @@
         </p:blipFill>
         <p:spPr>
           <a:xfrm>
-            <a:off x="6096000" y="1840610"/>
+            <a:off x="118489" y="1825625"/>
             <a:ext cx="5852172" cy="4389129"/>
           </a:xfrm>
           <a:prstGeom prst="rect">
@@ -4980,8 +5151,8 @@
         </p:nvSpPr>
         <p:spPr>
           <a:xfrm>
-            <a:off x="1023135" y="1690688"/>
-            <a:ext cx="10515600" cy="4351338"/>
+            <a:off x="1023135" y="1571946"/>
+            <a:ext cx="10515600" cy="4367338"/>
           </a:xfrm>
         </p:spPr>
         <p:txBody>
@@ -4990,7 +5161,39 @@
           <a:p>
             <a:r>
               <a:rPr lang="en-GB" dirty="0"/>
-              <a:t>ROC_AUC = 0.77</a:t>
+              <a:t>Metrics = </a:t>
+            </a:r>
+            <a:r>
+              <a:rPr lang="en-GB" dirty="0" err="1"/>
+              <a:t>roc_auc</a:t>
+            </a:r>
+            <a:r>
+              <a:rPr lang="en-GB" dirty="0"/>
+              <a:t>; </a:t>
+            </a:r>
+            <a:r>
+              <a:rPr lang="en-GB" dirty="0" err="1"/>
+              <a:t>baseline_score</a:t>
+            </a:r>
+            <a:r>
+              <a:rPr lang="en-GB" dirty="0"/>
+              <a:t>: 0.58; </a:t>
+            </a:r>
+            <a:r>
+              <a:rPr lang="en-GB" dirty="0" err="1"/>
+              <a:t>best_model_score</a:t>
+            </a:r>
+            <a:r>
+              <a:rPr lang="en-GB" dirty="0"/>
+              <a:t> (</a:t>
+            </a:r>
+            <a:r>
+              <a:rPr lang="en-GB" dirty="0" err="1"/>
+              <a:t>lightgbm</a:t>
+            </a:r>
+            <a:r>
+              <a:rPr lang="en-GB" dirty="0"/>
+              <a:t>): 0.77</a:t>
             </a:r>
           </a:p>
         </p:txBody>
@@ -5017,8 +5220,8 @@
         </p:blipFill>
         <p:spPr>
           <a:xfrm>
-            <a:off x="838200" y="2265696"/>
-            <a:ext cx="10778448" cy="4227179"/>
+            <a:off x="891711" y="2445249"/>
+            <a:ext cx="10778448" cy="4047626"/>
           </a:xfrm>
           <a:prstGeom prst="rect">
             <a:avLst/>
@@ -5118,8 +5321,8 @@
         </p:blipFill>
         <p:spPr>
           <a:xfrm>
-            <a:off x="1744662" y="1825625"/>
-            <a:ext cx="8702676" cy="4351338"/>
+            <a:off x="744144" y="1325366"/>
+            <a:ext cx="10335018" cy="5167509"/>
           </a:xfrm>
         </p:spPr>
       </p:pic>

--- a/Home Insurance dataset case study.pptx
+++ b/Home Insurance dataset case study.pptx
@@ -17,12 +17,8 @@
     <p:sldId id="274" r:id="rId11"/>
     <p:sldId id="267" r:id="rId12"/>
     <p:sldId id="261" r:id="rId13"/>
-    <p:sldId id="259" r:id="rId14"/>
-    <p:sldId id="262" r:id="rId15"/>
-    <p:sldId id="263" r:id="rId16"/>
-    <p:sldId id="265" r:id="rId17"/>
-    <p:sldId id="260" r:id="rId18"/>
-    <p:sldId id="264" r:id="rId19"/>
+    <p:sldId id="260" r:id="rId14"/>
+    <p:sldId id="259" r:id="rId15"/>
   </p:sldIdLst>
   <p:sldSz cx="12192000" cy="6858000"/>
   <p:notesSz cx="6858000" cy="9144000"/>
@@ -3408,7 +3404,12 @@
             <p:ph type="subTitle" idx="1"/>
           </p:nvPr>
         </p:nvSpPr>
-        <p:spPr/>
+        <p:spPr>
+          <a:xfrm>
+            <a:off x="1524000" y="4331504"/>
+            <a:ext cx="9144000" cy="1655762"/>
+          </a:xfrm>
+        </p:spPr>
         <p:txBody>
           <a:bodyPr/>
           <a:lstStyle/>
@@ -3589,6 +3590,40 @@
           </a:prstGeom>
         </p:spPr>
       </p:pic>
+      <p:sp>
+        <p:nvSpPr>
+          <p:cNvPr id="3" name="Rectangle 2">
+            <a:extLst>
+              <a:ext uri="{FF2B5EF4-FFF2-40B4-BE49-F238E27FC236}">
+                <a16:creationId xmlns:a16="http://schemas.microsoft.com/office/drawing/2014/main" id="{7ACF3437-F427-48B9-82FD-FB9B20D04BC5}"/>
+              </a:ext>
+            </a:extLst>
+          </p:cNvPr>
+          <p:cNvSpPr/>
+          <p:nvPr/>
+        </p:nvSpPr>
+        <p:spPr>
+          <a:xfrm>
+            <a:off x="878786" y="1497389"/>
+            <a:ext cx="4530984" cy="369332"/>
+          </a:xfrm>
+          <a:prstGeom prst="rect">
+            <a:avLst/>
+          </a:prstGeom>
+        </p:spPr>
+        <p:txBody>
+          <a:bodyPr wrap="none">
+            <a:spAutoFit/>
+          </a:bodyPr>
+          <a:lstStyle/>
+          <a:p>
+            <a:r>
+              <a:rPr lang="en-GB" dirty="0"/>
+              <a:t>Option "Legal Fees" included after 1st renewal</a:t>
+            </a:r>
+          </a:p>
+        </p:txBody>
+      </p:sp>
     </p:spTree>
     <p:extLst>
       <p:ext uri="{BB962C8B-B14F-4D97-AF65-F5344CB8AC3E}">
@@ -3918,7 +3953,7 @@
           <p:cNvPr id="2" name="Titre 1">
             <a:extLst>
               <a:ext uri="{FF2B5EF4-FFF2-40B4-BE49-F238E27FC236}">
-                <a16:creationId xmlns:a16="http://schemas.microsoft.com/office/drawing/2014/main" id="{86DAADD5-26F0-4AF7-AF63-A70DE7D2CEC3}"/>
+                <a16:creationId xmlns:a16="http://schemas.microsoft.com/office/drawing/2014/main" id="{59E9B46A-F076-45B5-AA98-805F58A4C819}"/>
               </a:ext>
             </a:extLst>
           </p:cNvPr>
@@ -3936,7 +3971,7 @@
           <a:p>
             <a:r>
               <a:rPr lang="en-GB" dirty="0"/>
-              <a:t>Next steps	 </a:t>
+              <a:t>delivering the solution</a:t>
             </a:r>
           </a:p>
         </p:txBody>
@@ -3946,7 +3981,7 @@
           <p:cNvPr id="3" name="Espace réservé du contenu 2">
             <a:extLst>
               <a:ext uri="{FF2B5EF4-FFF2-40B4-BE49-F238E27FC236}">
-                <a16:creationId xmlns:a16="http://schemas.microsoft.com/office/drawing/2014/main" id="{3ACA6807-A634-44E9-9DE3-F609B630AC26}"/>
+                <a16:creationId xmlns:a16="http://schemas.microsoft.com/office/drawing/2014/main" id="{DB9BB182-214B-4B89-AB9A-62D1F62F4837}"/>
               </a:ext>
             </a:extLst>
           </p:cNvPr>
@@ -3961,29 +3996,6 @@
         <p:txBody>
           <a:bodyPr/>
           <a:lstStyle/>
-          <a:p>
-            <a:r>
-              <a:rPr lang="en-GB" dirty="0"/>
-              <a:t>Check the different plots and investigate features which have some ”gaps” in the values taken, if possible interacting with business people, to be sure this is not some outliers in the data</a:t>
-            </a:r>
-          </a:p>
-          <a:p>
-            <a:r>
-              <a:rPr lang="en-GB" dirty="0"/>
-              <a:t>Improve feature engineering</a:t>
-            </a:r>
-          </a:p>
-          <a:p>
-            <a:r>
-              <a:rPr lang="en-GB" dirty="0"/>
-              <a:t>Tune </a:t>
-            </a:r>
-            <a:r>
-              <a:rPr lang="en-GB" dirty="0" err="1"/>
-              <a:t>lightgbm</a:t>
-            </a:r>
-            <a:endParaRPr lang="en-GB" dirty="0"/>
-          </a:p>
           <a:p>
             <a:pPr marL="0" indent="0">
               <a:buNone/>
@@ -3991,14 +4003,35 @@
             <a:endParaRPr lang="en-GB" dirty="0"/>
           </a:p>
           <a:p>
+            <a:r>
+              <a:rPr lang="en-GB" dirty="0"/>
+              <a:t>Package &amp; code structure</a:t>
+            </a:r>
+          </a:p>
+          <a:p>
             <a:endParaRPr lang="en-GB" dirty="0"/>
+          </a:p>
+          <a:p>
+            <a:r>
+              <a:rPr lang="en-GB" dirty="0"/>
+              <a:t>Pickle of the predictor</a:t>
+            </a:r>
+          </a:p>
+          <a:p>
+            <a:endParaRPr lang="en-GB" dirty="0"/>
+          </a:p>
+          <a:p>
+            <a:r>
+              <a:rPr lang="en-GB" dirty="0"/>
+              <a:t>Input of the predictor: json</a:t>
+            </a:r>
           </a:p>
         </p:txBody>
       </p:sp>
     </p:spTree>
     <p:extLst>
       <p:ext uri="{BB962C8B-B14F-4D97-AF65-F5344CB8AC3E}">
-        <p14:creationId xmlns:p14="http://schemas.microsoft.com/office/powerpoint/2010/main" val="2826364336"/>
+        <p14:creationId xmlns:p14="http://schemas.microsoft.com/office/powerpoint/2010/main" val="473285744"/>
       </p:ext>
     </p:extLst>
   </p:cSld>
@@ -4030,7 +4063,7 @@
           <p:cNvPr id="2" name="Titre 1">
             <a:extLst>
               <a:ext uri="{FF2B5EF4-FFF2-40B4-BE49-F238E27FC236}">
-                <a16:creationId xmlns:a16="http://schemas.microsoft.com/office/drawing/2014/main" id="{7C32B369-763E-4786-B566-44ACA1C29389}"/>
+                <a16:creationId xmlns:a16="http://schemas.microsoft.com/office/drawing/2014/main" id="{86DAADD5-26F0-4AF7-AF63-A70DE7D2CEC3}"/>
               </a:ext>
             </a:extLst>
           </p:cNvPr>
@@ -4048,7 +4081,7 @@
           <a:p>
             <a:r>
               <a:rPr lang="en-GB" dirty="0"/>
-              <a:t>Final model</a:t>
+              <a:t>Next steps	 </a:t>
             </a:r>
           </a:p>
         </p:txBody>
@@ -4058,7 +4091,7 @@
           <p:cNvPr id="3" name="Espace réservé du contenu 2">
             <a:extLst>
               <a:ext uri="{FF2B5EF4-FFF2-40B4-BE49-F238E27FC236}">
-                <a16:creationId xmlns:a16="http://schemas.microsoft.com/office/drawing/2014/main" id="{AF8FCC36-137D-4427-97F4-7F961E31C223}"/>
+                <a16:creationId xmlns:a16="http://schemas.microsoft.com/office/drawing/2014/main" id="{3ACA6807-A634-44E9-9DE3-F609B630AC26}"/>
               </a:ext>
             </a:extLst>
           </p:cNvPr>
@@ -4071,410 +4104,71 @@
         </p:nvSpPr>
         <p:spPr/>
         <p:txBody>
-          <a:bodyPr/>
-          <a:lstStyle/>
-          <a:p>
-            <a:endParaRPr lang="en-GB"/>
+          <a:bodyPr>
+            <a:normAutofit fontScale="92500" lnSpcReduction="10000"/>
+          </a:bodyPr>
+          <a:lstStyle/>
+          <a:p>
+            <a:r>
+              <a:rPr lang="en-GB" dirty="0"/>
+              <a:t>Check the different plots and investigate features which have some ”gaps” in the values taken, if possible interacting with business people, to be sure this is not some outliers in the data</a:t>
+            </a:r>
+          </a:p>
+          <a:p>
+            <a:endParaRPr lang="en-GB" dirty="0"/>
+          </a:p>
+          <a:p>
+            <a:r>
+              <a:rPr lang="en-GB" dirty="0"/>
+              <a:t>Improve feature engineering, especially by using some business knowledge</a:t>
+            </a:r>
+          </a:p>
+          <a:p>
+            <a:endParaRPr lang="en-GB" dirty="0"/>
+          </a:p>
+          <a:p>
+            <a:r>
+              <a:rPr lang="en-GB" dirty="0"/>
+              <a:t>Tune the </a:t>
+            </a:r>
+            <a:r>
+              <a:rPr lang="en-GB" dirty="0" err="1"/>
+              <a:t>lightgbm</a:t>
+            </a:r>
+            <a:endParaRPr lang="en-GB" dirty="0"/>
+          </a:p>
+          <a:p>
+            <a:endParaRPr lang="en-GB" dirty="0"/>
+          </a:p>
+          <a:p>
+            <a:r>
+              <a:rPr lang="en-GB" dirty="0"/>
+              <a:t>Probability calibration: </a:t>
+            </a:r>
+            <a:r>
+              <a:rPr lang="en-GB" dirty="0" err="1"/>
+              <a:t>lightgbm</a:t>
+            </a:r>
+            <a:r>
+              <a:rPr lang="en-GB" dirty="0"/>
+              <a:t> probabilities are not calibrated (it does not correspond to the common feeling of what a “probability” is)</a:t>
+            </a:r>
+          </a:p>
+          <a:p>
+            <a:pPr marL="0" indent="0">
+              <a:buNone/>
+            </a:pPr>
+            <a:endParaRPr lang="en-GB" dirty="0"/>
+          </a:p>
+          <a:p>
+            <a:endParaRPr lang="en-GB" dirty="0"/>
           </a:p>
         </p:txBody>
       </p:sp>
     </p:spTree>
     <p:extLst>
       <p:ext uri="{BB962C8B-B14F-4D97-AF65-F5344CB8AC3E}">
-        <p14:creationId xmlns:p14="http://schemas.microsoft.com/office/powerpoint/2010/main" val="446785142"/>
-      </p:ext>
-    </p:extLst>
-  </p:cSld>
-  <p:clrMapOvr>
-    <a:masterClrMapping/>
-  </p:clrMapOvr>
-</p:sld>
-</file>
-
-<file path=ppt/slides/slide15.xml><?xml version="1.0" encoding="utf-8"?>
-<p:sld xmlns:a="http://schemas.openxmlformats.org/drawingml/2006/main" xmlns:r="http://schemas.openxmlformats.org/officeDocument/2006/relationships" xmlns:p="http://schemas.openxmlformats.org/presentationml/2006/main">
-  <p:cSld>
-    <p:spTree>
-      <p:nvGrpSpPr>
-        <p:cNvPr id="1" name=""/>
-        <p:cNvGrpSpPr/>
-        <p:nvPr/>
-      </p:nvGrpSpPr>
-      <p:grpSpPr>
-        <a:xfrm>
-          <a:off x="0" y="0"/>
-          <a:ext cx="0" cy="0"/>
-          <a:chOff x="0" y="0"/>
-          <a:chExt cx="0" cy="0"/>
-        </a:xfrm>
-      </p:grpSpPr>
-      <p:sp>
-        <p:nvSpPr>
-          <p:cNvPr id="2" name="Titre 1">
-            <a:extLst>
-              <a:ext uri="{FF2B5EF4-FFF2-40B4-BE49-F238E27FC236}">
-                <a16:creationId xmlns:a16="http://schemas.microsoft.com/office/drawing/2014/main" id="{DAC66D4E-0EF2-471D-BFAC-B1F02232DD05}"/>
-              </a:ext>
-            </a:extLst>
-          </p:cNvPr>
-          <p:cNvSpPr>
-            <a:spLocks noGrp="1"/>
-          </p:cNvSpPr>
-          <p:nvPr>
-            <p:ph type="title"/>
-          </p:nvPr>
-        </p:nvSpPr>
-        <p:spPr/>
-        <p:txBody>
-          <a:bodyPr/>
-          <a:lstStyle/>
-          <a:p>
-            <a:r>
-              <a:rPr lang="en-GB" dirty="0"/>
-              <a:t>Model </a:t>
-            </a:r>
-            <a:r>
-              <a:rPr lang="en-GB" dirty="0" err="1"/>
-              <a:t>explainability</a:t>
-            </a:r>
-            <a:endParaRPr lang="en-GB" dirty="0"/>
-          </a:p>
-        </p:txBody>
-      </p:sp>
-      <p:sp>
-        <p:nvSpPr>
-          <p:cNvPr id="3" name="Espace réservé du contenu 2">
-            <a:extLst>
-              <a:ext uri="{FF2B5EF4-FFF2-40B4-BE49-F238E27FC236}">
-                <a16:creationId xmlns:a16="http://schemas.microsoft.com/office/drawing/2014/main" id="{6223BE3F-43A1-47D5-B0F2-270885F32A15}"/>
-              </a:ext>
-            </a:extLst>
-          </p:cNvPr>
-          <p:cNvSpPr>
-            <a:spLocks noGrp="1"/>
-          </p:cNvSpPr>
-          <p:nvPr>
-            <p:ph idx="1"/>
-          </p:nvPr>
-        </p:nvSpPr>
-        <p:spPr/>
-        <p:txBody>
-          <a:bodyPr/>
-          <a:lstStyle/>
-          <a:p>
-            <a:endParaRPr lang="en-GB"/>
-          </a:p>
-        </p:txBody>
-      </p:sp>
-    </p:spTree>
-    <p:extLst>
-      <p:ext uri="{BB962C8B-B14F-4D97-AF65-F5344CB8AC3E}">
-        <p14:creationId xmlns:p14="http://schemas.microsoft.com/office/powerpoint/2010/main" val="2924376313"/>
-      </p:ext>
-    </p:extLst>
-  </p:cSld>
-  <p:clrMapOvr>
-    <a:masterClrMapping/>
-  </p:clrMapOvr>
-</p:sld>
-</file>
-
-<file path=ppt/slides/slide16.xml><?xml version="1.0" encoding="utf-8"?>
-<p:sld xmlns:a="http://schemas.openxmlformats.org/drawingml/2006/main" xmlns:r="http://schemas.openxmlformats.org/officeDocument/2006/relationships" xmlns:p="http://schemas.openxmlformats.org/presentationml/2006/main">
-  <p:cSld>
-    <p:spTree>
-      <p:nvGrpSpPr>
-        <p:cNvPr id="1" name=""/>
-        <p:cNvGrpSpPr/>
-        <p:nvPr/>
-      </p:nvGrpSpPr>
-      <p:grpSpPr>
-        <a:xfrm>
-          <a:off x="0" y="0"/>
-          <a:ext cx="0" cy="0"/>
-          <a:chOff x="0" y="0"/>
-          <a:chExt cx="0" cy="0"/>
-        </a:xfrm>
-      </p:grpSpPr>
-      <p:sp>
-        <p:nvSpPr>
-          <p:cNvPr id="2" name="Titre 1">
-            <a:extLst>
-              <a:ext uri="{FF2B5EF4-FFF2-40B4-BE49-F238E27FC236}">
-                <a16:creationId xmlns:a16="http://schemas.microsoft.com/office/drawing/2014/main" id="{E4AF9874-4601-4419-9B37-86A286416DB8}"/>
-              </a:ext>
-            </a:extLst>
-          </p:cNvPr>
-          <p:cNvSpPr>
-            <a:spLocks noGrp="1"/>
-          </p:cNvSpPr>
-          <p:nvPr>
-            <p:ph type="title"/>
-          </p:nvPr>
-        </p:nvSpPr>
-        <p:spPr/>
-        <p:txBody>
-          <a:bodyPr/>
-          <a:lstStyle/>
-          <a:p>
-            <a:r>
-              <a:rPr lang="en-GB" dirty="0"/>
-              <a:t>Features </a:t>
-            </a:r>
-            <a:r>
-              <a:rPr lang="en-GB" dirty="0" err="1"/>
-              <a:t>importances</a:t>
-            </a:r>
-            <a:endParaRPr lang="en-GB" dirty="0"/>
-          </a:p>
-        </p:txBody>
-      </p:sp>
-      <p:sp>
-        <p:nvSpPr>
-          <p:cNvPr id="3" name="Espace réservé du contenu 2">
-            <a:extLst>
-              <a:ext uri="{FF2B5EF4-FFF2-40B4-BE49-F238E27FC236}">
-                <a16:creationId xmlns:a16="http://schemas.microsoft.com/office/drawing/2014/main" id="{FD009A02-BAAF-4062-8F48-C3FC770B31C9}"/>
-              </a:ext>
-            </a:extLst>
-          </p:cNvPr>
-          <p:cNvSpPr>
-            <a:spLocks noGrp="1"/>
-          </p:cNvSpPr>
-          <p:nvPr>
-            <p:ph idx="1"/>
-          </p:nvPr>
-        </p:nvSpPr>
-        <p:spPr/>
-        <p:txBody>
-          <a:bodyPr/>
-          <a:lstStyle/>
-          <a:p>
-            <a:endParaRPr lang="en-GB" dirty="0"/>
-          </a:p>
-        </p:txBody>
-      </p:sp>
-    </p:spTree>
-    <p:extLst>
-      <p:ext uri="{BB962C8B-B14F-4D97-AF65-F5344CB8AC3E}">
-        <p14:creationId xmlns:p14="http://schemas.microsoft.com/office/powerpoint/2010/main" val="1660970182"/>
-      </p:ext>
-    </p:extLst>
-  </p:cSld>
-  <p:clrMapOvr>
-    <a:masterClrMapping/>
-  </p:clrMapOvr>
-</p:sld>
-</file>
-
-<file path=ppt/slides/slide17.xml><?xml version="1.0" encoding="utf-8"?>
-<p:sld xmlns:a="http://schemas.openxmlformats.org/drawingml/2006/main" xmlns:r="http://schemas.openxmlformats.org/officeDocument/2006/relationships" xmlns:p="http://schemas.openxmlformats.org/presentationml/2006/main">
-  <p:cSld>
-    <p:spTree>
-      <p:nvGrpSpPr>
-        <p:cNvPr id="1" name=""/>
-        <p:cNvGrpSpPr/>
-        <p:nvPr/>
-      </p:nvGrpSpPr>
-      <p:grpSpPr>
-        <a:xfrm>
-          <a:off x="0" y="0"/>
-          <a:ext cx="0" cy="0"/>
-          <a:chOff x="0" y="0"/>
-          <a:chExt cx="0" cy="0"/>
-        </a:xfrm>
-      </p:grpSpPr>
-      <p:sp>
-        <p:nvSpPr>
-          <p:cNvPr id="2" name="Titre 1">
-            <a:extLst>
-              <a:ext uri="{FF2B5EF4-FFF2-40B4-BE49-F238E27FC236}">
-                <a16:creationId xmlns:a16="http://schemas.microsoft.com/office/drawing/2014/main" id="{59E9B46A-F076-45B5-AA98-805F58A4C819}"/>
-              </a:ext>
-            </a:extLst>
-          </p:cNvPr>
-          <p:cNvSpPr>
-            <a:spLocks noGrp="1"/>
-          </p:cNvSpPr>
-          <p:nvPr>
-            <p:ph type="title"/>
-          </p:nvPr>
-        </p:nvSpPr>
-        <p:spPr/>
-        <p:txBody>
-          <a:bodyPr/>
-          <a:lstStyle/>
-          <a:p>
-            <a:r>
-              <a:rPr lang="en-GB" dirty="0"/>
-              <a:t>delivering the solution</a:t>
-            </a:r>
-          </a:p>
-        </p:txBody>
-      </p:sp>
-      <p:sp>
-        <p:nvSpPr>
-          <p:cNvPr id="3" name="Espace réservé du contenu 2">
-            <a:extLst>
-              <a:ext uri="{FF2B5EF4-FFF2-40B4-BE49-F238E27FC236}">
-                <a16:creationId xmlns:a16="http://schemas.microsoft.com/office/drawing/2014/main" id="{DB9BB182-214B-4B89-AB9A-62D1F62F4837}"/>
-              </a:ext>
-            </a:extLst>
-          </p:cNvPr>
-          <p:cNvSpPr>
-            <a:spLocks noGrp="1"/>
-          </p:cNvSpPr>
-          <p:nvPr>
-            <p:ph idx="1"/>
-          </p:nvPr>
-        </p:nvSpPr>
-        <p:spPr/>
-        <p:txBody>
-          <a:bodyPr/>
-          <a:lstStyle/>
-          <a:p>
-            <a:r>
-              <a:rPr lang="en-GB" dirty="0"/>
-              <a:t>Package</a:t>
-            </a:r>
-          </a:p>
-          <a:p>
-            <a:r>
-              <a:rPr lang="en-GB" dirty="0"/>
-              <a:t>Code structure</a:t>
-            </a:r>
-          </a:p>
-          <a:p>
-            <a:r>
-              <a:rPr lang="en-GB" dirty="0"/>
-              <a:t>Pickle of the model</a:t>
-            </a:r>
-          </a:p>
-          <a:p>
-            <a:r>
-              <a:rPr lang="en-GB" dirty="0"/>
-              <a:t>Call json</a:t>
-            </a:r>
-          </a:p>
-        </p:txBody>
-      </p:sp>
-    </p:spTree>
-    <p:extLst>
-      <p:ext uri="{BB962C8B-B14F-4D97-AF65-F5344CB8AC3E}">
-        <p14:creationId xmlns:p14="http://schemas.microsoft.com/office/powerpoint/2010/main" val="473285744"/>
-      </p:ext>
-    </p:extLst>
-  </p:cSld>
-  <p:clrMapOvr>
-    <a:masterClrMapping/>
-  </p:clrMapOvr>
-</p:sld>
-</file>
-
-<file path=ppt/slides/slide18.xml><?xml version="1.0" encoding="utf-8"?>
-<p:sld xmlns:a="http://schemas.openxmlformats.org/drawingml/2006/main" xmlns:r="http://schemas.openxmlformats.org/officeDocument/2006/relationships" xmlns:p="http://schemas.openxmlformats.org/presentationml/2006/main">
-  <p:cSld>
-    <p:spTree>
-      <p:nvGrpSpPr>
-        <p:cNvPr id="1" name=""/>
-        <p:cNvGrpSpPr/>
-        <p:nvPr/>
-      </p:nvGrpSpPr>
-      <p:grpSpPr>
-        <a:xfrm>
-          <a:off x="0" y="0"/>
-          <a:ext cx="0" cy="0"/>
-          <a:chOff x="0" y="0"/>
-          <a:chExt cx="0" cy="0"/>
-        </a:xfrm>
-      </p:grpSpPr>
-      <p:sp>
-        <p:nvSpPr>
-          <p:cNvPr id="2" name="Titre 1">
-            <a:extLst>
-              <a:ext uri="{FF2B5EF4-FFF2-40B4-BE49-F238E27FC236}">
-                <a16:creationId xmlns:a16="http://schemas.microsoft.com/office/drawing/2014/main" id="{49FD13E4-9E91-4AB3-B216-96ED68815815}"/>
-              </a:ext>
-            </a:extLst>
-          </p:cNvPr>
-          <p:cNvSpPr>
-            <a:spLocks noGrp="1"/>
-          </p:cNvSpPr>
-          <p:nvPr>
-            <p:ph type="title"/>
-          </p:nvPr>
-        </p:nvSpPr>
-        <p:spPr/>
-        <p:txBody>
-          <a:bodyPr/>
-          <a:lstStyle/>
-          <a:p>
-            <a:endParaRPr lang="en-GB"/>
-          </a:p>
-        </p:txBody>
-      </p:sp>
-      <p:sp>
-        <p:nvSpPr>
-          <p:cNvPr id="3" name="Espace réservé du contenu 2">
-            <a:extLst>
-              <a:ext uri="{FF2B5EF4-FFF2-40B4-BE49-F238E27FC236}">
-                <a16:creationId xmlns:a16="http://schemas.microsoft.com/office/drawing/2014/main" id="{18214AB2-6382-4154-9308-9BAE4B57D1BA}"/>
-              </a:ext>
-            </a:extLst>
-          </p:cNvPr>
-          <p:cNvSpPr>
-            <a:spLocks noGrp="1"/>
-          </p:cNvSpPr>
-          <p:nvPr>
-            <p:ph idx="1"/>
-          </p:nvPr>
-        </p:nvSpPr>
-        <p:spPr/>
-        <p:txBody>
-          <a:bodyPr/>
-          <a:lstStyle/>
-          <a:p>
-            <a:r>
-              <a:rPr lang="en-GB" dirty="0"/>
-              <a:t>Areas which you should pay particular attention to are;</a:t>
-            </a:r>
-          </a:p>
-          <a:p>
-            <a:r>
-              <a:rPr lang="en-GB" dirty="0"/>
-              <a:t> Data exploration: What are the most interesting features of the data set? What have you</a:t>
-            </a:r>
-          </a:p>
-          <a:p>
-            <a:r>
-              <a:rPr lang="en-GB" dirty="0"/>
-              <a:t>considered and why have you made the decisions you have done?</a:t>
-            </a:r>
-          </a:p>
-          <a:p>
-            <a:r>
-              <a:rPr lang="en-GB" dirty="0"/>
-              <a:t> Modelling: What process did you follow when modelling retention? How have you designed</a:t>
-            </a:r>
-          </a:p>
-          <a:p>
-            <a:r>
-              <a:rPr lang="en-GB" dirty="0"/>
-              <a:t>your model and what did you account for?</a:t>
-            </a:r>
-          </a:p>
-          <a:p>
-            <a:r>
-              <a:rPr lang="en-GB" dirty="0"/>
-              <a:t> What are your conclusions and what else would’ve been useful to know?</a:t>
-            </a:r>
-          </a:p>
-        </p:txBody>
-      </p:sp>
-    </p:spTree>
-    <p:extLst>
-      <p:ext uri="{BB962C8B-B14F-4D97-AF65-F5344CB8AC3E}">
-        <p14:creationId xmlns:p14="http://schemas.microsoft.com/office/powerpoint/2010/main" val="1382055631"/>
+        <p14:creationId xmlns:p14="http://schemas.microsoft.com/office/powerpoint/2010/main" val="2826364336"/>
       </p:ext>
     </p:extLst>
   </p:cSld>
@@ -4648,14 +4342,19 @@
             <p:ph type="title"/>
           </p:nvPr>
         </p:nvSpPr>
-        <p:spPr/>
+        <p:spPr>
+          <a:xfrm>
+            <a:off x="838200" y="231560"/>
+            <a:ext cx="10515600" cy="1325563"/>
+          </a:xfrm>
+        </p:spPr>
         <p:txBody>
           <a:bodyPr/>
           <a:lstStyle/>
           <a:p>
             <a:r>
               <a:rPr lang="en-GB" dirty="0"/>
-              <a:t>Data analysis</a:t>
+              <a:t>Data analysis: correlation matrix</a:t>
             </a:r>
           </a:p>
         </p:txBody>
@@ -4742,12 +4441,21 @@
         </p:nvSpPr>
         <p:spPr/>
         <p:txBody>
-          <a:bodyPr/>
+          <a:bodyPr>
+            <a:normAutofit fontScale="90000"/>
+          </a:bodyPr>
           <a:lstStyle/>
           <a:p>
             <a:r>
               <a:rPr lang="en-GB" dirty="0"/>
               <a:t>Data analysis: multi valued categorical features</a:t>
+            </a:r>
+            <a:br>
+              <a:rPr lang="en-GB" dirty="0"/>
+            </a:br>
+            <a:r>
+              <a:rPr lang="en-GB" dirty="0"/>
+              <a:t>Employment status</a:t>
             </a:r>
           </a:p>
         </p:txBody>
@@ -4782,17 +4490,17 @@
         </p:blipFill>
         <p:spPr>
           <a:xfrm>
-            <a:off x="6096000" y="1647023"/>
+            <a:off x="6096000" y="1852506"/>
             <a:ext cx="5801784" cy="4351338"/>
           </a:xfrm>
         </p:spPr>
       </p:pic>
       <p:pic>
         <p:nvPicPr>
-          <p:cNvPr id="8" name="Image 7" descr="Une image contenant capture d’écran, dessin&#10;&#10;Description générée automatiquement">
-            <a:extLst>
-              <a:ext uri="{FF2B5EF4-FFF2-40B4-BE49-F238E27FC236}">
-                <a16:creationId xmlns:a16="http://schemas.microsoft.com/office/drawing/2014/main" id="{8A294B12-0197-480D-BADC-DAA426ADBD64}"/>
+          <p:cNvPr id="4" name="Image 3" descr="Une image contenant capture d’écran&#10;&#10;Description générée automatiquement">
+            <a:extLst>
+              <a:ext uri="{FF2B5EF4-FFF2-40B4-BE49-F238E27FC236}">
+                <a16:creationId xmlns:a16="http://schemas.microsoft.com/office/drawing/2014/main" id="{172DA1B3-63F6-4B26-959E-E48CE35DBAB4}"/>
               </a:ext>
             </a:extLst>
           </p:cNvPr>
@@ -4815,7 +4523,7 @@
         </p:blipFill>
         <p:spPr>
           <a:xfrm>
-            <a:off x="0" y="1690688"/>
+            <a:off x="0" y="1963900"/>
             <a:ext cx="5852172" cy="4389129"/>
           </a:xfrm>
           <a:prstGeom prst="rect">
@@ -4871,10 +4579,22 @@
         </p:nvSpPr>
         <p:spPr/>
         <p:txBody>
-          <a:bodyPr/>
-          <a:lstStyle/>
-          <a:p>
-            <a:endParaRPr lang="en-GB" dirty="0"/>
+          <a:bodyPr>
+            <a:normAutofit fontScale="90000"/>
+          </a:bodyPr>
+          <a:lstStyle/>
+          <a:p>
+            <a:r>
+              <a:rPr lang="en-GB" dirty="0"/>
+              <a:t>Data analysis: multi valued categorical features</a:t>
+            </a:r>
+            <a:br>
+              <a:rPr lang="en-GB" dirty="0"/>
+            </a:br>
+            <a:r>
+              <a:rPr lang="en-GB" dirty="0"/>
+              <a:t>Marital status</a:t>
+            </a:r>
           </a:p>
         </p:txBody>
       </p:sp>
@@ -4908,7 +4628,7 @@
         </p:blipFill>
         <p:spPr>
           <a:xfrm>
-            <a:off x="5852172" y="1983043"/>
+            <a:off x="5852172" y="1941946"/>
             <a:ext cx="5801784" cy="4389129"/>
           </a:xfrm>
         </p:spPr>
@@ -4941,7 +4661,7 @@
         </p:blipFill>
         <p:spPr>
           <a:xfrm>
-            <a:off x="0" y="1983043"/>
+            <a:off x="0" y="1941946"/>
             <a:ext cx="5852172" cy="4389129"/>
           </a:xfrm>
           <a:prstGeom prst="rect">
@@ -4997,10 +4717,22 @@
         </p:nvSpPr>
         <p:spPr/>
         <p:txBody>
-          <a:bodyPr/>
-          <a:lstStyle/>
-          <a:p>
-            <a:endParaRPr lang="en-GB"/>
+          <a:bodyPr>
+            <a:normAutofit/>
+          </a:bodyPr>
+          <a:lstStyle/>
+          <a:p>
+            <a:r>
+              <a:rPr lang="en-GB" dirty="0"/>
+              <a:t>Data analysis: binary categorical features</a:t>
+            </a:r>
+            <a:br>
+              <a:rPr lang="en-GB" dirty="0"/>
+            </a:br>
+            <a:r>
+              <a:rPr lang="en-GB" dirty="0"/>
+              <a:t>H3 ADDON POST REN</a:t>
+            </a:r>
           </a:p>
         </p:txBody>
       </p:sp>
@@ -5075,6 +4807,40 @@
           </a:prstGeom>
         </p:spPr>
       </p:pic>
+      <p:sp>
+        <p:nvSpPr>
+          <p:cNvPr id="3" name="Rectangle 2">
+            <a:extLst>
+              <a:ext uri="{FF2B5EF4-FFF2-40B4-BE49-F238E27FC236}">
+                <a16:creationId xmlns:a16="http://schemas.microsoft.com/office/drawing/2014/main" id="{D5D994FE-ADBB-45CA-950A-CBBB739B89BF}"/>
+              </a:ext>
+            </a:extLst>
+          </p:cNvPr>
+          <p:cNvSpPr/>
+          <p:nvPr/>
+        </p:nvSpPr>
+        <p:spPr>
+          <a:xfrm>
+            <a:off x="838200" y="1573491"/>
+            <a:ext cx="3760581" cy="369332"/>
+          </a:xfrm>
+          <a:prstGeom prst="rect">
+            <a:avLst/>
+          </a:prstGeom>
+        </p:spPr>
+        <p:txBody>
+          <a:bodyPr wrap="none">
+            <a:spAutoFit/>
+          </a:bodyPr>
+          <a:lstStyle/>
+          <a:p>
+            <a:r>
+              <a:rPr lang="en-GB" dirty="0"/>
+              <a:t>(Option "HP3" included after renewal)</a:t>
+            </a:r>
+          </a:p>
+        </p:txBody>
+      </p:sp>
     </p:spTree>
     <p:extLst>
       <p:ext uri="{BB962C8B-B14F-4D97-AF65-F5344CB8AC3E}">
@@ -5151,7 +4917,7 @@
         </p:nvSpPr>
         <p:spPr>
           <a:xfrm>
-            <a:off x="1023135" y="1571946"/>
+            <a:off x="1023135" y="1520575"/>
             <a:ext cx="10515600" cy="4367338"/>
           </a:xfrm>
         </p:spPr>

--- a/Home Insurance dataset case study.pptx
+++ b/Home Insurance dataset case study.pptx
@@ -4105,13 +4105,25 @@
         <p:spPr/>
         <p:txBody>
           <a:bodyPr>
-            <a:normAutofit fontScale="92500" lnSpcReduction="10000"/>
+            <a:normAutofit fontScale="70000" lnSpcReduction="20000"/>
           </a:bodyPr>
           <a:lstStyle/>
+          <a:p>
+            <a:endParaRPr lang="en-GB" dirty="0"/>
+          </a:p>
           <a:p>
             <a:r>
               <a:rPr lang="en-GB" dirty="0"/>
               <a:t>Check the different plots and investigate features which have some ”gaps” in the values taken, if possible interacting with business people, to be sure this is not some outliers in the data</a:t>
+            </a:r>
+          </a:p>
+          <a:p>
+            <a:endParaRPr lang="en-GB" dirty="0"/>
+          </a:p>
+          <a:p>
+            <a:r>
+              <a:rPr lang="en-GB" dirty="0"/>
+              <a:t>Add some basic analysis based on the dates (not target-oriented) if we need to define a business strategy (it should be done at the right timing)</a:t>
             </a:r>
           </a:p>
           <a:p>

--- a/Home Insurance dataset case study.pptx
+++ b/Home Insurance dataset case study.pptx
@@ -3522,10 +3522,10 @@
       </p:pic>
       <p:pic>
         <p:nvPicPr>
-          <p:cNvPr id="7" name="Image 6" descr="Une image contenant capture d’écran&#10;&#10;Description générée automatiquement">
-            <a:extLst>
-              <a:ext uri="{FF2B5EF4-FFF2-40B4-BE49-F238E27FC236}">
-                <a16:creationId xmlns:a16="http://schemas.microsoft.com/office/drawing/2014/main" id="{E688D511-EE4E-4475-80B9-E684A2D33B1F}"/>
+          <p:cNvPr id="9" name="Image 8" descr="Une image contenant capture d’écran&#10;&#10;Description générée automatiquement">
+            <a:extLst>
+              <a:ext uri="{FF2B5EF4-FFF2-40B4-BE49-F238E27FC236}">
+                <a16:creationId xmlns:a16="http://schemas.microsoft.com/office/drawing/2014/main" id="{3BE46F29-180A-45E4-9B5F-FCC9F452CB15}"/>
               </a:ext>
             </a:extLst>
           </p:cNvPr>
@@ -3536,42 +3536,6 @@
         </p:nvPicPr>
         <p:blipFill>
           <a:blip r:embed="rId3">
-            <a:extLst>
-              <a:ext uri="{28A0092B-C50C-407E-A947-70E740481C1C}">
-                <a14:useLocalDpi xmlns:a14="http://schemas.microsoft.com/office/drawing/2010/main" val="0"/>
-              </a:ext>
-            </a:extLst>
-          </a:blip>
-          <a:stretch>
-            <a:fillRect/>
-          </a:stretch>
-        </p:blipFill>
-        <p:spPr>
-          <a:xfrm>
-            <a:off x="7064851" y="3429000"/>
-            <a:ext cx="4288949" cy="3216712"/>
-          </a:xfrm>
-          <a:prstGeom prst="rect">
-            <a:avLst/>
-          </a:prstGeom>
-        </p:spPr>
-      </p:pic>
-      <p:pic>
-        <p:nvPicPr>
-          <p:cNvPr id="9" name="Image 8" descr="Une image contenant capture d’écran&#10;&#10;Description générée automatiquement">
-            <a:extLst>
-              <a:ext uri="{FF2B5EF4-FFF2-40B4-BE49-F238E27FC236}">
-                <a16:creationId xmlns:a16="http://schemas.microsoft.com/office/drawing/2014/main" id="{3BE46F29-180A-45E4-9B5F-FCC9F452CB15}"/>
-              </a:ext>
-            </a:extLst>
-          </p:cNvPr>
-          <p:cNvPicPr>
-            <a:picLocks noChangeAspect="1"/>
-          </p:cNvPicPr>
-          <p:nvPr/>
-        </p:nvPicPr>
-        <p:blipFill>
-          <a:blip r:embed="rId4">
             <a:extLst>
               <a:ext uri="{28A0092B-C50C-407E-A947-70E740481C1C}">
                 <a14:useLocalDpi xmlns:a14="http://schemas.microsoft.com/office/drawing/2010/main" val="0"/>
@@ -3626,6 +3590,42 @@
           </a:p>
         </p:txBody>
       </p:sp>
+      <p:pic>
+        <p:nvPicPr>
+          <p:cNvPr id="6" name="Image 5" descr="Une image contenant capture d’écran&#10;&#10;Description générée automatiquement">
+            <a:extLst>
+              <a:ext uri="{FF2B5EF4-FFF2-40B4-BE49-F238E27FC236}">
+                <a16:creationId xmlns:a16="http://schemas.microsoft.com/office/drawing/2014/main" id="{72318307-0533-4C20-9BCE-C0E202A741D0}"/>
+              </a:ext>
+            </a:extLst>
+          </p:cNvPr>
+          <p:cNvPicPr>
+            <a:picLocks noChangeAspect="1"/>
+          </p:cNvPicPr>
+          <p:nvPr/>
+        </p:nvPicPr>
+        <p:blipFill>
+          <a:blip r:embed="rId4">
+            <a:extLst>
+              <a:ext uri="{28A0092B-C50C-407E-A947-70E740481C1C}">
+                <a14:useLocalDpi xmlns:a14="http://schemas.microsoft.com/office/drawing/2010/main" val="0"/>
+              </a:ext>
+            </a:extLst>
+          </a:blip>
+          <a:stretch>
+            <a:fillRect/>
+          </a:stretch>
+        </p:blipFill>
+        <p:spPr>
+          <a:xfrm>
+            <a:off x="7198299" y="3496433"/>
+            <a:ext cx="4175077" cy="3131308"/>
+          </a:xfrm>
+          <a:prstGeom prst="rect">
+            <a:avLst/>
+          </a:prstGeom>
+        </p:spPr>
+      </p:pic>
     </p:spTree>
     <p:extLst>
       <p:ext uri="{BB962C8B-B14F-4D97-AF65-F5344CB8AC3E}">
@@ -3679,7 +3679,14 @@
           <a:p>
             <a:r>
               <a:rPr lang="en-GB" dirty="0"/>
-              <a:t>Dependence plots</a:t>
+              <a:t>Dependence plot: </a:t>
+            </a:r>
+            <a:br>
+              <a:rPr lang="en-GB" dirty="0"/>
+            </a:br>
+            <a:r>
+              <a:rPr lang="en-GB" dirty="0"/>
+              <a:t>PAYMENT_METHOD</a:t>
             </a:r>
           </a:p>
         </p:txBody>
@@ -3839,12 +3846,35 @@
         </p:nvSpPr>
         <p:spPr/>
         <p:txBody>
-          <a:bodyPr/>
-          <a:lstStyle/>
-          <a:p>
-            <a:r>
-              <a:rPr lang="en-GB" dirty="0"/>
-              <a:t>Dependence plots</a:t>
+          <a:bodyPr>
+            <a:noAutofit/>
+          </a:bodyPr>
+          <a:lstStyle/>
+          <a:p>
+            <a:r>
+              <a:rPr lang="en-GB" sz="2800" dirty="0"/>
+              <a:t>Dependence plots:</a:t>
+            </a:r>
+            <a:br>
+              <a:rPr lang="en-GB" sz="2800" dirty="0"/>
+            </a:br>
+            <a:r>
+              <a:rPr lang="en-GB" sz="2800" dirty="0"/>
+              <a:t>P1_DOB_YEAR (birth year of the client)</a:t>
+            </a:r>
+            <a:br>
+              <a:rPr lang="en-GB" sz="2800" dirty="0"/>
+            </a:br>
+            <a:r>
+              <a:rPr lang="en-GB" sz="2800" dirty="0"/>
+              <a:t>RISK_RATED_AREA_B (Geographical Classification of Risk – Building)</a:t>
+            </a:r>
+            <a:br>
+              <a:rPr lang="en-GB" sz="2800" dirty="0"/>
+            </a:br>
+            <a:r>
+              <a:rPr lang="en-GB" sz="2800" dirty="0"/>
+              <a:t> </a:t>
             </a:r>
           </a:p>
         </p:txBody>
@@ -3879,7 +3909,7 @@
         </p:blipFill>
         <p:spPr>
           <a:xfrm>
-            <a:off x="700900" y="1690688"/>
+            <a:off x="609589" y="1911359"/>
             <a:ext cx="5221605" cy="4351338"/>
           </a:xfrm>
         </p:spPr>
@@ -4265,7 +4295,7 @@
         </p:blipFill>
         <p:spPr>
           <a:xfrm>
-            <a:off x="1448655" y="1232754"/>
+            <a:off x="1075659" y="1325000"/>
             <a:ext cx="10040681" cy="5352588"/>
           </a:xfrm>
           <a:prstGeom prst="rect">
@@ -4409,7 +4439,7 @@
         </p:blipFill>
         <p:spPr>
           <a:xfrm>
-            <a:off x="1273995" y="1690688"/>
+            <a:off x="1431104" y="1518208"/>
             <a:ext cx="9329791" cy="4966171"/>
           </a:xfrm>
           <a:prstGeom prst="rect">
@@ -4714,41 +4744,6 @@
       </p:sp>
       <p:pic>
         <p:nvPicPr>
-          <p:cNvPr id="6" name="Espace réservé du contenu 5" descr="Une image contenant capture d’écran&#10;&#10;Description générée automatiquement">
-            <a:extLst>
-              <a:ext uri="{FF2B5EF4-FFF2-40B4-BE49-F238E27FC236}">
-                <a16:creationId xmlns:a16="http://schemas.microsoft.com/office/drawing/2014/main" id="{A3F4B73D-B8B8-4219-B777-93CE82BC4B36}"/>
-              </a:ext>
-            </a:extLst>
-          </p:cNvPr>
-          <p:cNvPicPr>
-            <a:picLocks noGrp="1" noChangeAspect="1"/>
-          </p:cNvPicPr>
-          <p:nvPr>
-            <p:ph idx="1"/>
-          </p:nvPr>
-        </p:nvPicPr>
-        <p:blipFill>
-          <a:blip r:embed="rId2">
-            <a:extLst>
-              <a:ext uri="{28A0092B-C50C-407E-A947-70E740481C1C}">
-                <a14:useLocalDpi xmlns:a14="http://schemas.microsoft.com/office/drawing/2010/main" val="0"/>
-              </a:ext>
-            </a:extLst>
-          </a:blip>
-          <a:stretch>
-            <a:fillRect/>
-          </a:stretch>
-        </p:blipFill>
-        <p:spPr>
-          <a:xfrm>
-            <a:off x="6096000" y="1852506"/>
-            <a:ext cx="5801784" cy="4351338"/>
-          </a:xfrm>
-        </p:spPr>
-      </p:pic>
-      <p:pic>
-        <p:nvPicPr>
           <p:cNvPr id="4" name="Image 3" descr="Une image contenant capture d’écran&#10;&#10;Description générée automatiquement">
             <a:extLst>
               <a:ext uri="{FF2B5EF4-FFF2-40B4-BE49-F238E27FC236}">
@@ -4762,7 +4757,7 @@
           <p:nvPr/>
         </p:nvPicPr>
         <p:blipFill>
-          <a:blip r:embed="rId3">
+          <a:blip r:embed="rId2">
             <a:extLst>
               <a:ext uri="{28A0092B-C50C-407E-A947-70E740481C1C}">
                 <a14:useLocalDpi xmlns:a14="http://schemas.microsoft.com/office/drawing/2010/main" val="0"/>
@@ -4781,6 +4776,41 @@
           <a:prstGeom prst="rect">
             <a:avLst/>
           </a:prstGeom>
+        </p:spPr>
+      </p:pic>
+      <p:pic>
+        <p:nvPicPr>
+          <p:cNvPr id="8" name="Espace réservé du contenu 7" descr="Une image contenant capture d’écran&#10;&#10;Description générée automatiquement">
+            <a:extLst>
+              <a:ext uri="{FF2B5EF4-FFF2-40B4-BE49-F238E27FC236}">
+                <a16:creationId xmlns:a16="http://schemas.microsoft.com/office/drawing/2014/main" id="{88F9047C-FF3C-4685-80D8-CBCF1CE7ACEA}"/>
+              </a:ext>
+            </a:extLst>
+          </p:cNvPr>
+          <p:cNvPicPr>
+            <a:picLocks noGrp="1" noChangeAspect="1"/>
+          </p:cNvPicPr>
+          <p:nvPr>
+            <p:ph idx="1"/>
+          </p:nvPr>
+        </p:nvPicPr>
+        <p:blipFill>
+          <a:blip r:embed="rId3">
+            <a:extLst>
+              <a:ext uri="{28A0092B-C50C-407E-A947-70E740481C1C}">
+                <a14:useLocalDpi xmlns:a14="http://schemas.microsoft.com/office/drawing/2010/main" val="0"/>
+              </a:ext>
+            </a:extLst>
+          </a:blip>
+          <a:stretch>
+            <a:fillRect/>
+          </a:stretch>
+        </p:blipFill>
+        <p:spPr>
+          <a:xfrm>
+            <a:off x="6175443" y="1982795"/>
+            <a:ext cx="5801784" cy="4351338"/>
+          </a:xfrm>
         </p:spPr>
       </p:pic>
     </p:spTree>
